--- a/Later/Java_Later/SQL/19/SQL LIKE Operator.pptx
+++ b/Later/Java_Later/SQL/19/SQL LIKE Operator.pptx
@@ -3944,7 +3944,6 @@
               <a:rPr lang="en-US" sz="1200" dirty="0"/>
               <a:t>;</a:t>
             </a:r>
-            <a:endParaRPr lang="en-US" sz="1200" dirty="0"/>
           </a:p>
         </p:txBody>
       </p:sp>
@@ -3998,8 +3997,8 @@
         </p:nvSpPr>
         <p:spPr>
           <a:xfrm>
-            <a:off x="5257800" y="2775556"/>
-            <a:ext cx="3505200" cy="2123658"/>
+            <a:off x="5267325" y="2429236"/>
+            <a:ext cx="3505200" cy="2492990"/>
           </a:xfrm>
           <a:prstGeom prst="rect">
             <a:avLst/>
@@ -4103,8 +4102,25 @@
               <a:t>T%o</a:t>
             </a:r>
             <a:r>
+              <a:rPr lang="en-US" sz="1200" dirty="0" smtClean="0"/>
+              <a:t>';</a:t>
+            </a:r>
+          </a:p>
+          <a:p>
+            <a:endParaRPr lang="en-US" sz="1200" dirty="0"/>
+          </a:p>
+          <a:p>
+            <a:r>
               <a:rPr lang="en-US" sz="1200" dirty="0"/>
-              <a:t>';</a:t>
+              <a:t>SELECT * FROM employee WHERE city </a:t>
+            </a:r>
+            <a:r>
+              <a:rPr lang="en-US" sz="1200" dirty="0" smtClean="0"/>
+              <a:t>NOT LIKE </a:t>
+            </a:r>
+            <a:r>
+              <a:rPr lang="en-US" sz="1200" dirty="0"/>
+              <a:t>'C%';</a:t>
             </a:r>
             <a:endParaRPr lang="en-US" sz="1200" dirty="0"/>
           </a:p>
@@ -4118,7 +4134,7 @@
         </p:nvSpPr>
         <p:spPr>
           <a:xfrm>
-            <a:off x="5257800" y="2394647"/>
+            <a:off x="5267325" y="2048327"/>
             <a:ext cx="1007455" cy="276999"/>
           </a:xfrm>
           <a:prstGeom prst="rect">
@@ -4147,15 +4163,7 @@
           <a:p>
             <a:r>
               <a:rPr lang="en-US" sz="1200" dirty="0" smtClean="0"/>
-              <a:t>LIKE</a:t>
-            </a:r>
-            <a:r>
-              <a:rPr lang="en-US" sz="1200" dirty="0" smtClean="0"/>
-              <a:t> </a:t>
-            </a:r>
-            <a:r>
-              <a:rPr lang="en-US" sz="1200" dirty="0" smtClean="0"/>
-              <a:t>Example</a:t>
+              <a:t>LIKE Example</a:t>
             </a:r>
             <a:endParaRPr lang="en-US" sz="1200" dirty="0"/>
           </a:p>
